--- a/pics/2021-06-06-Sturm_Liouville/pics.pptx
+++ b/pics/2021-06-06-Sturm_Liouville/pics.pptx
@@ -6,6 +6,7 @@
   </p:sldMasterIdLst>
   <p:sldIdLst>
     <p:sldId id="256" r:id="rId2"/>
+    <p:sldId id="257" r:id="rId3"/>
   </p:sldIdLst>
   <p:sldSz cx="9144000" cy="6858000" type="screen4x3"/>
   <p:notesSz cx="6858000" cy="9144000"/>
@@ -104,6 +105,22 @@
       </a:defRPr>
     </a:lvl9pPr>
   </p:defaultTextStyle>
+  <p:extLst>
+    <p:ext uri="{EFAFB233-063F-42B5-8137-9DF3F51BA10A}">
+      <p15:sldGuideLst xmlns:p15="http://schemas.microsoft.com/office/powerpoint/2012/main">
+        <p15:guide id="1" orient="horz" pos="2160">
+          <p15:clr>
+            <a:srgbClr val="A4A3A4"/>
+          </p15:clr>
+        </p15:guide>
+        <p15:guide id="2" pos="2880">
+          <p15:clr>
+            <a:srgbClr val="A4A3A4"/>
+          </p15:clr>
+        </p15:guide>
+      </p15:sldGuideLst>
+    </p:ext>
+  </p:extLst>
 </p:presentation>
 </file>
 
@@ -145,10 +162,9 @@
           <a:lstStyle/>
           <a:p>
             <a:r>
-              <a:rPr lang="ko-KR" altLang="en-US" smtClean="0"/>
+              <a:rPr lang="ko-KR" altLang="en-US"/>
               <a:t>마스터 제목 스타일 편집</a:t>
             </a:r>
-            <a:endParaRPr lang="ko-KR" altLang="en-US"/>
           </a:p>
         </p:txBody>
       </p:sp>
@@ -264,10 +280,9 @@
           </a:lstStyle>
           <a:p>
             <a:r>
-              <a:rPr lang="ko-KR" altLang="en-US" smtClean="0"/>
+              <a:rPr lang="ko-KR" altLang="en-US"/>
               <a:t>마스터 부제목 스타일 편집</a:t>
             </a:r>
-            <a:endParaRPr lang="ko-KR" altLang="en-US"/>
           </a:p>
         </p:txBody>
       </p:sp>
@@ -288,7 +303,7 @@
           <a:p>
             <a:fld id="{FB30EDBD-1C2D-4C1E-B459-B60219FAB484}" type="datetimeFigureOut">
               <a:rPr lang="ko-KR" altLang="en-US" smtClean="0"/>
-              <a:t>2021-06-09</a:t>
+              <a:t>2023-05-11</a:t>
             </a:fld>
             <a:endParaRPr lang="ko-KR" altLang="en-US"/>
           </a:p>
@@ -377,10 +392,9 @@
           <a:lstStyle/>
           <a:p>
             <a:r>
-              <a:rPr lang="ko-KR" altLang="en-US" smtClean="0"/>
+              <a:rPr lang="ko-KR" altLang="en-US"/>
               <a:t>마스터 제목 스타일 편집</a:t>
             </a:r>
-            <a:endParaRPr lang="ko-KR" altLang="en-US"/>
           </a:p>
         </p:txBody>
       </p:sp>
@@ -401,38 +415,37 @@
           <a:p>
             <a:pPr lvl="0"/>
             <a:r>
-              <a:rPr lang="ko-KR" altLang="en-US" smtClean="0"/>
+              <a:rPr lang="ko-KR" altLang="en-US"/>
               <a:t>마스터 텍스트 스타일을 편집합니다</a:t>
             </a:r>
           </a:p>
           <a:p>
             <a:pPr lvl="1"/>
             <a:r>
-              <a:rPr lang="ko-KR" altLang="en-US" smtClean="0"/>
+              <a:rPr lang="ko-KR" altLang="en-US"/>
               <a:t>둘째 수준</a:t>
             </a:r>
           </a:p>
           <a:p>
             <a:pPr lvl="2"/>
             <a:r>
-              <a:rPr lang="ko-KR" altLang="en-US" smtClean="0"/>
+              <a:rPr lang="ko-KR" altLang="en-US"/>
               <a:t>셋째 수준</a:t>
             </a:r>
           </a:p>
           <a:p>
             <a:pPr lvl="3"/>
             <a:r>
-              <a:rPr lang="ko-KR" altLang="en-US" smtClean="0"/>
+              <a:rPr lang="ko-KR" altLang="en-US"/>
               <a:t>넷째 수준</a:t>
             </a:r>
           </a:p>
           <a:p>
             <a:pPr lvl="4"/>
             <a:r>
-              <a:rPr lang="ko-KR" altLang="en-US" smtClean="0"/>
+              <a:rPr lang="ko-KR" altLang="en-US"/>
               <a:t>다섯째 수준</a:t>
             </a:r>
-            <a:endParaRPr lang="ko-KR" altLang="en-US"/>
           </a:p>
         </p:txBody>
       </p:sp>
@@ -453,7 +466,7 @@
           <a:p>
             <a:fld id="{FB30EDBD-1C2D-4C1E-B459-B60219FAB484}" type="datetimeFigureOut">
               <a:rPr lang="ko-KR" altLang="en-US" smtClean="0"/>
-              <a:t>2021-06-09</a:t>
+              <a:t>2023-05-11</a:t>
             </a:fld>
             <a:endParaRPr lang="ko-KR" altLang="en-US"/>
           </a:p>
@@ -547,10 +560,9 @@
           <a:lstStyle/>
           <a:p>
             <a:r>
-              <a:rPr lang="ko-KR" altLang="en-US" smtClean="0"/>
+              <a:rPr lang="ko-KR" altLang="en-US"/>
               <a:t>마스터 제목 스타일 편집</a:t>
             </a:r>
-            <a:endParaRPr lang="ko-KR" altLang="en-US"/>
           </a:p>
         </p:txBody>
       </p:sp>
@@ -576,38 +588,37 @@
           <a:p>
             <a:pPr lvl="0"/>
             <a:r>
-              <a:rPr lang="ko-KR" altLang="en-US" smtClean="0"/>
+              <a:rPr lang="ko-KR" altLang="en-US"/>
               <a:t>마스터 텍스트 스타일을 편집합니다</a:t>
             </a:r>
           </a:p>
           <a:p>
             <a:pPr lvl="1"/>
             <a:r>
-              <a:rPr lang="ko-KR" altLang="en-US" smtClean="0"/>
+              <a:rPr lang="ko-KR" altLang="en-US"/>
               <a:t>둘째 수준</a:t>
             </a:r>
           </a:p>
           <a:p>
             <a:pPr lvl="2"/>
             <a:r>
-              <a:rPr lang="ko-KR" altLang="en-US" smtClean="0"/>
+              <a:rPr lang="ko-KR" altLang="en-US"/>
               <a:t>셋째 수준</a:t>
             </a:r>
           </a:p>
           <a:p>
             <a:pPr lvl="3"/>
             <a:r>
-              <a:rPr lang="ko-KR" altLang="en-US" smtClean="0"/>
+              <a:rPr lang="ko-KR" altLang="en-US"/>
               <a:t>넷째 수준</a:t>
             </a:r>
           </a:p>
           <a:p>
             <a:pPr lvl="4"/>
             <a:r>
-              <a:rPr lang="ko-KR" altLang="en-US" smtClean="0"/>
+              <a:rPr lang="ko-KR" altLang="en-US"/>
               <a:t>다섯째 수준</a:t>
             </a:r>
-            <a:endParaRPr lang="ko-KR" altLang="en-US"/>
           </a:p>
         </p:txBody>
       </p:sp>
@@ -628,7 +639,7 @@
           <a:p>
             <a:fld id="{FB30EDBD-1C2D-4C1E-B459-B60219FAB484}" type="datetimeFigureOut">
               <a:rPr lang="ko-KR" altLang="en-US" smtClean="0"/>
-              <a:t>2021-06-09</a:t>
+              <a:t>2023-05-11</a:t>
             </a:fld>
             <a:endParaRPr lang="ko-KR" altLang="en-US"/>
           </a:p>
@@ -717,10 +728,9 @@
           <a:lstStyle/>
           <a:p>
             <a:r>
-              <a:rPr lang="ko-KR" altLang="en-US" smtClean="0"/>
+              <a:rPr lang="ko-KR" altLang="en-US"/>
               <a:t>마스터 제목 스타일 편집</a:t>
             </a:r>
-            <a:endParaRPr lang="ko-KR" altLang="en-US"/>
           </a:p>
         </p:txBody>
       </p:sp>
@@ -741,38 +751,37 @@
           <a:p>
             <a:pPr lvl="0"/>
             <a:r>
-              <a:rPr lang="ko-KR" altLang="en-US" smtClean="0"/>
+              <a:rPr lang="ko-KR" altLang="en-US"/>
               <a:t>마스터 텍스트 스타일을 편집합니다</a:t>
             </a:r>
           </a:p>
           <a:p>
             <a:pPr lvl="1"/>
             <a:r>
-              <a:rPr lang="ko-KR" altLang="en-US" smtClean="0"/>
+              <a:rPr lang="ko-KR" altLang="en-US"/>
               <a:t>둘째 수준</a:t>
             </a:r>
           </a:p>
           <a:p>
             <a:pPr lvl="2"/>
             <a:r>
-              <a:rPr lang="ko-KR" altLang="en-US" smtClean="0"/>
+              <a:rPr lang="ko-KR" altLang="en-US"/>
               <a:t>셋째 수준</a:t>
             </a:r>
           </a:p>
           <a:p>
             <a:pPr lvl="3"/>
             <a:r>
-              <a:rPr lang="ko-KR" altLang="en-US" smtClean="0"/>
+              <a:rPr lang="ko-KR" altLang="en-US"/>
               <a:t>넷째 수준</a:t>
             </a:r>
           </a:p>
           <a:p>
             <a:pPr lvl="4"/>
             <a:r>
-              <a:rPr lang="ko-KR" altLang="en-US" smtClean="0"/>
+              <a:rPr lang="ko-KR" altLang="en-US"/>
               <a:t>다섯째 수준</a:t>
             </a:r>
-            <a:endParaRPr lang="ko-KR" altLang="en-US"/>
           </a:p>
         </p:txBody>
       </p:sp>
@@ -793,7 +802,7 @@
           <a:p>
             <a:fld id="{FB30EDBD-1C2D-4C1E-B459-B60219FAB484}" type="datetimeFigureOut">
               <a:rPr lang="ko-KR" altLang="en-US" smtClean="0"/>
-              <a:t>2021-06-09</a:t>
+              <a:t>2023-05-11</a:t>
             </a:fld>
             <a:endParaRPr lang="ko-KR" altLang="en-US"/>
           </a:p>
@@ -891,10 +900,9 @@
           </a:lstStyle>
           <a:p>
             <a:r>
-              <a:rPr lang="ko-KR" altLang="en-US" smtClean="0"/>
+              <a:rPr lang="ko-KR" altLang="en-US"/>
               <a:t>마스터 제목 스타일 편집</a:t>
             </a:r>
-            <a:endParaRPr lang="ko-KR" altLang="en-US"/>
           </a:p>
         </p:txBody>
       </p:sp>
@@ -1011,7 +1019,7 @@
           <a:p>
             <a:pPr lvl="0"/>
             <a:r>
-              <a:rPr lang="ko-KR" altLang="en-US" smtClean="0"/>
+              <a:rPr lang="ko-KR" altLang="en-US"/>
               <a:t>마스터 텍스트 스타일을 편집합니다</a:t>
             </a:r>
           </a:p>
@@ -1034,7 +1042,7 @@
           <a:p>
             <a:fld id="{FB30EDBD-1C2D-4C1E-B459-B60219FAB484}" type="datetimeFigureOut">
               <a:rPr lang="ko-KR" altLang="en-US" smtClean="0"/>
-              <a:t>2021-06-09</a:t>
+              <a:t>2023-05-11</a:t>
             </a:fld>
             <a:endParaRPr lang="ko-KR" altLang="en-US"/>
           </a:p>
@@ -1123,10 +1131,9 @@
           <a:lstStyle/>
           <a:p>
             <a:r>
-              <a:rPr lang="ko-KR" altLang="en-US" smtClean="0"/>
+              <a:rPr lang="ko-KR" altLang="en-US"/>
               <a:t>마스터 제목 스타일 편집</a:t>
             </a:r>
-            <a:endParaRPr lang="ko-KR" altLang="en-US"/>
           </a:p>
         </p:txBody>
       </p:sp>
@@ -1180,38 +1187,37 @@
           <a:p>
             <a:pPr lvl="0"/>
             <a:r>
-              <a:rPr lang="ko-KR" altLang="en-US" smtClean="0"/>
+              <a:rPr lang="ko-KR" altLang="en-US"/>
               <a:t>마스터 텍스트 스타일을 편집합니다</a:t>
             </a:r>
           </a:p>
           <a:p>
             <a:pPr lvl="1"/>
             <a:r>
-              <a:rPr lang="ko-KR" altLang="en-US" smtClean="0"/>
+              <a:rPr lang="ko-KR" altLang="en-US"/>
               <a:t>둘째 수준</a:t>
             </a:r>
           </a:p>
           <a:p>
             <a:pPr lvl="2"/>
             <a:r>
-              <a:rPr lang="ko-KR" altLang="en-US" smtClean="0"/>
+              <a:rPr lang="ko-KR" altLang="en-US"/>
               <a:t>셋째 수준</a:t>
             </a:r>
           </a:p>
           <a:p>
             <a:pPr lvl="3"/>
             <a:r>
-              <a:rPr lang="ko-KR" altLang="en-US" smtClean="0"/>
+              <a:rPr lang="ko-KR" altLang="en-US"/>
               <a:t>넷째 수준</a:t>
             </a:r>
           </a:p>
           <a:p>
             <a:pPr lvl="4"/>
             <a:r>
-              <a:rPr lang="ko-KR" altLang="en-US" smtClean="0"/>
+              <a:rPr lang="ko-KR" altLang="en-US"/>
               <a:t>다섯째 수준</a:t>
             </a:r>
-            <a:endParaRPr lang="ko-KR" altLang="en-US"/>
           </a:p>
         </p:txBody>
       </p:sp>
@@ -1265,38 +1271,37 @@
           <a:p>
             <a:pPr lvl="0"/>
             <a:r>
-              <a:rPr lang="ko-KR" altLang="en-US" smtClean="0"/>
+              <a:rPr lang="ko-KR" altLang="en-US"/>
               <a:t>마스터 텍스트 스타일을 편집합니다</a:t>
             </a:r>
           </a:p>
           <a:p>
             <a:pPr lvl="1"/>
             <a:r>
-              <a:rPr lang="ko-KR" altLang="en-US" smtClean="0"/>
+              <a:rPr lang="ko-KR" altLang="en-US"/>
               <a:t>둘째 수준</a:t>
             </a:r>
           </a:p>
           <a:p>
             <a:pPr lvl="2"/>
             <a:r>
-              <a:rPr lang="ko-KR" altLang="en-US" smtClean="0"/>
+              <a:rPr lang="ko-KR" altLang="en-US"/>
               <a:t>셋째 수준</a:t>
             </a:r>
           </a:p>
           <a:p>
             <a:pPr lvl="3"/>
             <a:r>
-              <a:rPr lang="ko-KR" altLang="en-US" smtClean="0"/>
+              <a:rPr lang="ko-KR" altLang="en-US"/>
               <a:t>넷째 수준</a:t>
             </a:r>
           </a:p>
           <a:p>
             <a:pPr lvl="4"/>
             <a:r>
-              <a:rPr lang="ko-KR" altLang="en-US" smtClean="0"/>
+              <a:rPr lang="ko-KR" altLang="en-US"/>
               <a:t>다섯째 수준</a:t>
             </a:r>
-            <a:endParaRPr lang="ko-KR" altLang="en-US"/>
           </a:p>
         </p:txBody>
       </p:sp>
@@ -1317,7 +1322,7 @@
           <a:p>
             <a:fld id="{FB30EDBD-1C2D-4C1E-B459-B60219FAB484}" type="datetimeFigureOut">
               <a:rPr lang="ko-KR" altLang="en-US" smtClean="0"/>
-              <a:t>2021-06-09</a:t>
+              <a:t>2023-05-11</a:t>
             </a:fld>
             <a:endParaRPr lang="ko-KR" altLang="en-US"/>
           </a:p>
@@ -1410,10 +1415,9 @@
           </a:lstStyle>
           <a:p>
             <a:r>
-              <a:rPr lang="ko-KR" altLang="en-US" smtClean="0"/>
+              <a:rPr lang="ko-KR" altLang="en-US"/>
               <a:t>마스터 제목 스타일 편집</a:t>
             </a:r>
-            <a:endParaRPr lang="ko-KR" altLang="en-US"/>
           </a:p>
         </p:txBody>
       </p:sp>
@@ -1476,7 +1480,7 @@
           <a:p>
             <a:pPr lvl="0"/>
             <a:r>
-              <a:rPr lang="ko-KR" altLang="en-US" smtClean="0"/>
+              <a:rPr lang="ko-KR" altLang="en-US"/>
               <a:t>마스터 텍스트 스타일을 편집합니다</a:t>
             </a:r>
           </a:p>
@@ -1532,38 +1536,37 @@
           <a:p>
             <a:pPr lvl="0"/>
             <a:r>
-              <a:rPr lang="ko-KR" altLang="en-US" smtClean="0"/>
+              <a:rPr lang="ko-KR" altLang="en-US"/>
               <a:t>마스터 텍스트 스타일을 편집합니다</a:t>
             </a:r>
           </a:p>
           <a:p>
             <a:pPr lvl="1"/>
             <a:r>
-              <a:rPr lang="ko-KR" altLang="en-US" smtClean="0"/>
+              <a:rPr lang="ko-KR" altLang="en-US"/>
               <a:t>둘째 수준</a:t>
             </a:r>
           </a:p>
           <a:p>
             <a:pPr lvl="2"/>
             <a:r>
-              <a:rPr lang="ko-KR" altLang="en-US" smtClean="0"/>
+              <a:rPr lang="ko-KR" altLang="en-US"/>
               <a:t>셋째 수준</a:t>
             </a:r>
           </a:p>
           <a:p>
             <a:pPr lvl="3"/>
             <a:r>
-              <a:rPr lang="ko-KR" altLang="en-US" smtClean="0"/>
+              <a:rPr lang="ko-KR" altLang="en-US"/>
               <a:t>넷째 수준</a:t>
             </a:r>
           </a:p>
           <a:p>
             <a:pPr lvl="4"/>
             <a:r>
-              <a:rPr lang="ko-KR" altLang="en-US" smtClean="0"/>
+              <a:rPr lang="ko-KR" altLang="en-US"/>
               <a:t>다섯째 수준</a:t>
             </a:r>
-            <a:endParaRPr lang="ko-KR" altLang="en-US"/>
           </a:p>
         </p:txBody>
       </p:sp>
@@ -1626,7 +1629,7 @@
           <a:p>
             <a:pPr lvl="0"/>
             <a:r>
-              <a:rPr lang="ko-KR" altLang="en-US" smtClean="0"/>
+              <a:rPr lang="ko-KR" altLang="en-US"/>
               <a:t>마스터 텍스트 스타일을 편집합니다</a:t>
             </a:r>
           </a:p>
@@ -1682,38 +1685,37 @@
           <a:p>
             <a:pPr lvl="0"/>
             <a:r>
-              <a:rPr lang="ko-KR" altLang="en-US" smtClean="0"/>
+              <a:rPr lang="ko-KR" altLang="en-US"/>
               <a:t>마스터 텍스트 스타일을 편집합니다</a:t>
             </a:r>
           </a:p>
           <a:p>
             <a:pPr lvl="1"/>
             <a:r>
-              <a:rPr lang="ko-KR" altLang="en-US" smtClean="0"/>
+              <a:rPr lang="ko-KR" altLang="en-US"/>
               <a:t>둘째 수준</a:t>
             </a:r>
           </a:p>
           <a:p>
             <a:pPr lvl="2"/>
             <a:r>
-              <a:rPr lang="ko-KR" altLang="en-US" smtClean="0"/>
+              <a:rPr lang="ko-KR" altLang="en-US"/>
               <a:t>셋째 수준</a:t>
             </a:r>
           </a:p>
           <a:p>
             <a:pPr lvl="3"/>
             <a:r>
-              <a:rPr lang="ko-KR" altLang="en-US" smtClean="0"/>
+              <a:rPr lang="ko-KR" altLang="en-US"/>
               <a:t>넷째 수준</a:t>
             </a:r>
           </a:p>
           <a:p>
             <a:pPr lvl="4"/>
             <a:r>
-              <a:rPr lang="ko-KR" altLang="en-US" smtClean="0"/>
+              <a:rPr lang="ko-KR" altLang="en-US"/>
               <a:t>다섯째 수준</a:t>
             </a:r>
-            <a:endParaRPr lang="ko-KR" altLang="en-US"/>
           </a:p>
         </p:txBody>
       </p:sp>
@@ -1734,7 +1736,7 @@
           <a:p>
             <a:fld id="{FB30EDBD-1C2D-4C1E-B459-B60219FAB484}" type="datetimeFigureOut">
               <a:rPr lang="ko-KR" altLang="en-US" smtClean="0"/>
-              <a:t>2021-06-09</a:t>
+              <a:t>2023-05-11</a:t>
             </a:fld>
             <a:endParaRPr lang="ko-KR" altLang="en-US"/>
           </a:p>
@@ -1823,10 +1825,9 @@
           <a:lstStyle/>
           <a:p>
             <a:r>
-              <a:rPr lang="ko-KR" altLang="en-US" smtClean="0"/>
+              <a:rPr lang="ko-KR" altLang="en-US"/>
               <a:t>마스터 제목 스타일 편집</a:t>
             </a:r>
-            <a:endParaRPr lang="ko-KR" altLang="en-US"/>
           </a:p>
         </p:txBody>
       </p:sp>
@@ -1847,7 +1848,7 @@
           <a:p>
             <a:fld id="{FB30EDBD-1C2D-4C1E-B459-B60219FAB484}" type="datetimeFigureOut">
               <a:rPr lang="ko-KR" altLang="en-US" smtClean="0"/>
-              <a:t>2021-06-09</a:t>
+              <a:t>2023-05-11</a:t>
             </a:fld>
             <a:endParaRPr lang="ko-KR" altLang="en-US"/>
           </a:p>
@@ -1937,7 +1938,7 @@
           <a:p>
             <a:fld id="{FB30EDBD-1C2D-4C1E-B459-B60219FAB484}" type="datetimeFigureOut">
               <a:rPr lang="ko-KR" altLang="en-US" smtClean="0"/>
-              <a:t>2021-06-09</a:t>
+              <a:t>2023-05-11</a:t>
             </a:fld>
             <a:endParaRPr lang="ko-KR" altLang="en-US"/>
           </a:p>
@@ -2035,10 +2036,9 @@
           </a:lstStyle>
           <a:p>
             <a:r>
-              <a:rPr lang="ko-KR" altLang="en-US" smtClean="0"/>
+              <a:rPr lang="ko-KR" altLang="en-US"/>
               <a:t>마스터 제목 스타일 편집</a:t>
             </a:r>
-            <a:endParaRPr lang="ko-KR" altLang="en-US"/>
           </a:p>
         </p:txBody>
       </p:sp>
@@ -2092,38 +2092,37 @@
           <a:p>
             <a:pPr lvl="0"/>
             <a:r>
-              <a:rPr lang="ko-KR" altLang="en-US" smtClean="0"/>
+              <a:rPr lang="ko-KR" altLang="en-US"/>
               <a:t>마스터 텍스트 스타일을 편집합니다</a:t>
             </a:r>
           </a:p>
           <a:p>
             <a:pPr lvl="1"/>
             <a:r>
-              <a:rPr lang="ko-KR" altLang="en-US" smtClean="0"/>
+              <a:rPr lang="ko-KR" altLang="en-US"/>
               <a:t>둘째 수준</a:t>
             </a:r>
           </a:p>
           <a:p>
             <a:pPr lvl="2"/>
             <a:r>
-              <a:rPr lang="ko-KR" altLang="en-US" smtClean="0"/>
+              <a:rPr lang="ko-KR" altLang="en-US"/>
               <a:t>셋째 수준</a:t>
             </a:r>
           </a:p>
           <a:p>
             <a:pPr lvl="3"/>
             <a:r>
-              <a:rPr lang="ko-KR" altLang="en-US" smtClean="0"/>
+              <a:rPr lang="ko-KR" altLang="en-US"/>
               <a:t>넷째 수준</a:t>
             </a:r>
           </a:p>
           <a:p>
             <a:pPr lvl="4"/>
             <a:r>
-              <a:rPr lang="ko-KR" altLang="en-US" smtClean="0"/>
+              <a:rPr lang="ko-KR" altLang="en-US"/>
               <a:t>다섯째 수준</a:t>
             </a:r>
-            <a:endParaRPr lang="ko-KR" altLang="en-US"/>
           </a:p>
         </p:txBody>
       </p:sp>
@@ -2186,7 +2185,7 @@
           <a:p>
             <a:pPr lvl="0"/>
             <a:r>
-              <a:rPr lang="ko-KR" altLang="en-US" smtClean="0"/>
+              <a:rPr lang="ko-KR" altLang="en-US"/>
               <a:t>마스터 텍스트 스타일을 편집합니다</a:t>
             </a:r>
           </a:p>
@@ -2209,7 +2208,7 @@
           <a:p>
             <a:fld id="{FB30EDBD-1C2D-4C1E-B459-B60219FAB484}" type="datetimeFigureOut">
               <a:rPr lang="ko-KR" altLang="en-US" smtClean="0"/>
-              <a:t>2021-06-09</a:t>
+              <a:t>2023-05-11</a:t>
             </a:fld>
             <a:endParaRPr lang="ko-KR" altLang="en-US"/>
           </a:p>
@@ -2307,10 +2306,9 @@
           </a:lstStyle>
           <a:p>
             <a:r>
-              <a:rPr lang="ko-KR" altLang="en-US" smtClean="0"/>
+              <a:rPr lang="ko-KR" altLang="en-US"/>
               <a:t>마스터 제목 스타일 편집</a:t>
             </a:r>
-            <a:endParaRPr lang="ko-KR" altLang="en-US"/>
           </a:p>
         </p:txBody>
       </p:sp>
@@ -2434,7 +2432,7 @@
           <a:p>
             <a:pPr lvl="0"/>
             <a:r>
-              <a:rPr lang="ko-KR" altLang="en-US" smtClean="0"/>
+              <a:rPr lang="ko-KR" altLang="en-US"/>
               <a:t>마스터 텍스트 스타일을 편집합니다</a:t>
             </a:r>
           </a:p>
@@ -2457,7 +2455,7 @@
           <a:p>
             <a:fld id="{FB30EDBD-1C2D-4C1E-B459-B60219FAB484}" type="datetimeFigureOut">
               <a:rPr lang="ko-KR" altLang="en-US" smtClean="0"/>
-              <a:t>2021-06-09</a:t>
+              <a:t>2023-05-11</a:t>
             </a:fld>
             <a:endParaRPr lang="ko-KR" altLang="en-US"/>
           </a:p>
@@ -2561,10 +2559,9 @@
           <a:lstStyle/>
           <a:p>
             <a:r>
-              <a:rPr lang="ko-KR" altLang="en-US" smtClean="0"/>
+              <a:rPr lang="ko-KR" altLang="en-US"/>
               <a:t>마스터 제목 스타일 편집</a:t>
             </a:r>
-            <a:endParaRPr lang="ko-KR" altLang="en-US"/>
           </a:p>
         </p:txBody>
       </p:sp>
@@ -2595,38 +2592,37 @@
           <a:p>
             <a:pPr lvl="0"/>
             <a:r>
-              <a:rPr lang="ko-KR" altLang="en-US" smtClean="0"/>
+              <a:rPr lang="ko-KR" altLang="en-US"/>
               <a:t>마스터 텍스트 스타일을 편집합니다</a:t>
             </a:r>
           </a:p>
           <a:p>
             <a:pPr lvl="1"/>
             <a:r>
-              <a:rPr lang="ko-KR" altLang="en-US" smtClean="0"/>
+              <a:rPr lang="ko-KR" altLang="en-US"/>
               <a:t>둘째 수준</a:t>
             </a:r>
           </a:p>
           <a:p>
             <a:pPr lvl="2"/>
             <a:r>
-              <a:rPr lang="ko-KR" altLang="en-US" smtClean="0"/>
+              <a:rPr lang="ko-KR" altLang="en-US"/>
               <a:t>셋째 수준</a:t>
             </a:r>
           </a:p>
           <a:p>
             <a:pPr lvl="3"/>
             <a:r>
-              <a:rPr lang="ko-KR" altLang="en-US" smtClean="0"/>
+              <a:rPr lang="ko-KR" altLang="en-US"/>
               <a:t>넷째 수준</a:t>
             </a:r>
           </a:p>
           <a:p>
             <a:pPr lvl="4"/>
             <a:r>
-              <a:rPr lang="ko-KR" altLang="en-US" smtClean="0"/>
+              <a:rPr lang="ko-KR" altLang="en-US"/>
               <a:t>다섯째 수준</a:t>
             </a:r>
-            <a:endParaRPr lang="ko-KR" altLang="en-US"/>
           </a:p>
         </p:txBody>
       </p:sp>
@@ -2665,7 +2661,7 @@
           <a:p>
             <a:fld id="{FB30EDBD-1C2D-4C1E-B459-B60219FAB484}" type="datetimeFigureOut">
               <a:rPr lang="ko-KR" altLang="en-US" smtClean="0"/>
-              <a:t>2021-06-09</a:t>
+              <a:t>2023-05-11</a:t>
             </a:fld>
             <a:endParaRPr lang="ko-KR" altLang="en-US"/>
           </a:p>
@@ -3112,6 +3108,66 @@
 </p:sld>
 </file>
 
+<file path=ppt/slides/slide2.xml><?xml version="1.0" encoding="utf-8"?>
+<p:sld xmlns:a="http://schemas.openxmlformats.org/drawingml/2006/main" xmlns:r="http://schemas.openxmlformats.org/officeDocument/2006/relationships" xmlns:p="http://schemas.openxmlformats.org/presentationml/2006/main">
+  <p:cSld>
+    <p:spTree>
+      <p:nvGrpSpPr>
+        <p:cNvPr id="1" name=""/>
+        <p:cNvGrpSpPr/>
+        <p:nvPr/>
+      </p:nvGrpSpPr>
+      <p:grpSpPr>
+        <a:xfrm>
+          <a:off x="0" y="0"/>
+          <a:ext cx="0" cy="0"/>
+          <a:chOff x="0" y="0"/>
+          <a:chExt cx="0" cy="0"/>
+        </a:xfrm>
+      </p:grpSpPr>
+      <p:pic>
+        <p:nvPicPr>
+          <p:cNvPr id="5" name="Picture 4">
+            <a:extLst>
+              <a:ext uri="{FF2B5EF4-FFF2-40B4-BE49-F238E27FC236}">
+                <a16:creationId xmlns:a16="http://schemas.microsoft.com/office/drawing/2014/main" id="{C3E71004-D35F-1EA2-D753-7587D70D5776}"/>
+              </a:ext>
+            </a:extLst>
+          </p:cNvPr>
+          <p:cNvPicPr>
+            <a:picLocks noChangeAspect="1"/>
+          </p:cNvPicPr>
+          <p:nvPr/>
+        </p:nvPicPr>
+        <p:blipFill>
+          <a:blip r:embed="rId2"/>
+          <a:stretch>
+            <a:fillRect/>
+          </a:stretch>
+        </p:blipFill>
+        <p:spPr>
+          <a:xfrm>
+            <a:off x="1905000" y="1428750"/>
+            <a:ext cx="5334000" cy="4000500"/>
+          </a:xfrm>
+          <a:prstGeom prst="rect">
+            <a:avLst/>
+          </a:prstGeom>
+        </p:spPr>
+      </p:pic>
+    </p:spTree>
+    <p:extLst>
+      <p:ext uri="{BB962C8B-B14F-4D97-AF65-F5344CB8AC3E}">
+        <p14:creationId xmlns:p14="http://schemas.microsoft.com/office/powerpoint/2010/main" val="2420786351"/>
+      </p:ext>
+    </p:extLst>
+  </p:cSld>
+  <p:clrMapOvr>
+    <a:masterClrMapping/>
+  </p:clrMapOvr>
+</p:sld>
+</file>
+
 <file path=ppt/theme/theme1.xml><?xml version="1.0" encoding="utf-8"?>
 <a:theme xmlns:a="http://schemas.openxmlformats.org/drawingml/2006/main" name="Office 테마">
   <a:themeElements>
